--- a/WPF.pptx
+++ b/WPF.pptx
@@ -207,7 +207,7 @@
             <a:fld id="{552617EB-605C-42A4-B4AB-5F72E344323C}" type="datetimeFigureOut">
               <a:rPr lang="zh-CN" altLang="en-US" smtClean="0"/>
               <a:pPr/>
-              <a:t>2018-4-11 Wednesday</a:t>
+              <a:t>2018-4-23 Monday</a:t>
             </a:fld>
             <a:endParaRPr lang="zh-CN" altLang="en-US"/>
           </a:p>
@@ -1628,7 +1628,7 @@
               <a:t>Grid</a:t>
             </a:r>
             <a:r>
-              <a:rPr lang="zh-CN" altLang="en-US" sz="1200" kern="1200" smtClean="0">
+              <a:rPr lang="zh-CN" altLang="en-US" sz="1200" kern="1200" dirty="0" smtClean="0">
                 <a:solidFill>
                   <a:schemeClr val="tx1"/>
                 </a:solidFill>
@@ -1636,9 +1636,153 @@
                 <a:ea typeface="+mn-ea"/>
                 <a:cs typeface="+mn-cs"/>
               </a:rPr>
-              <a:t>面板</a:t>
-            </a:r>
-            <a:endParaRPr lang="zh-CN" altLang="en-US"/>
+              <a:t>面</a:t>
+            </a:r>
+            <a:r>
+              <a:rPr lang="zh-CN" altLang="en-US" sz="1200" kern="1200" dirty="0" smtClean="0">
+                <a:solidFill>
+                  <a:schemeClr val="tx1"/>
+                </a:solidFill>
+                <a:latin typeface="+mn-lt"/>
+                <a:ea typeface="+mn-ea"/>
+                <a:cs typeface="+mn-cs"/>
+              </a:rPr>
+              <a:t>板</a:t>
+            </a:r>
+            <a:endParaRPr lang="en-US" altLang="zh-CN" sz="1200" kern="1200" dirty="0" smtClean="0">
+              <a:solidFill>
+                <a:schemeClr val="tx1"/>
+              </a:solidFill>
+              <a:latin typeface="+mn-lt"/>
+              <a:ea typeface="+mn-ea"/>
+              <a:cs typeface="+mn-cs"/>
+            </a:endParaRPr>
+          </a:p>
+          <a:p>
+            <a:endParaRPr lang="en-US" altLang="zh-CN" sz="1200" kern="1200" dirty="0" smtClean="0">
+              <a:solidFill>
+                <a:schemeClr val="tx1"/>
+              </a:solidFill>
+              <a:latin typeface="+mn-lt"/>
+              <a:ea typeface="+mn-ea"/>
+              <a:cs typeface="+mn-cs"/>
+            </a:endParaRPr>
+          </a:p>
+          <a:p>
+            <a:r>
+              <a:rPr lang="zh-CN" altLang="en-US" sz="1200" kern="1200" dirty="0" smtClean="0">
+                <a:solidFill>
+                  <a:schemeClr val="tx1"/>
+                </a:solidFill>
+                <a:latin typeface="+mn-lt"/>
+                <a:ea typeface="+mn-ea"/>
+                <a:cs typeface="+mn-cs"/>
+              </a:rPr>
+              <a:t>消除锯齿</a:t>
+            </a:r>
+            <a:r>
+              <a:rPr lang="en-US" altLang="zh-CN" sz="1200" kern="1200" dirty="0" smtClean="0">
+                <a:solidFill>
+                  <a:schemeClr val="tx1"/>
+                </a:solidFill>
+                <a:latin typeface="+mn-lt"/>
+                <a:ea typeface="+mn-ea"/>
+                <a:cs typeface="+mn-cs"/>
+              </a:rPr>
+              <a:t>Grid</a:t>
+            </a:r>
+            <a:r>
+              <a:rPr lang="zh-CN" altLang="en-US" sz="1200" kern="1200" dirty="0" smtClean="0">
+                <a:solidFill>
+                  <a:schemeClr val="tx1"/>
+                </a:solidFill>
+                <a:latin typeface="+mn-lt"/>
+                <a:ea typeface="+mn-ea"/>
+                <a:cs typeface="+mn-cs"/>
+              </a:rPr>
+              <a:t>的</a:t>
+            </a:r>
+            <a:r>
+              <a:rPr lang="en-US" altLang="zh-CN" sz="1200" kern="1200" dirty="0" err="1" smtClean="0">
+                <a:solidFill>
+                  <a:schemeClr val="tx1"/>
+                </a:solidFill>
+                <a:latin typeface="+mn-lt"/>
+                <a:ea typeface="+mn-ea"/>
+                <a:cs typeface="+mn-cs"/>
+              </a:rPr>
+              <a:t>UserLayoutRounding</a:t>
+            </a:r>
+            <a:r>
+              <a:rPr lang="en-US" altLang="zh-CN" sz="1200" kern="1200" dirty="0" smtClean="0">
+                <a:solidFill>
+                  <a:schemeClr val="tx1"/>
+                </a:solidFill>
+                <a:latin typeface="+mn-lt"/>
+                <a:ea typeface="+mn-ea"/>
+                <a:cs typeface="+mn-cs"/>
+              </a:rPr>
+              <a:t>=“true”</a:t>
+            </a:r>
+          </a:p>
+          <a:p>
+            <a:endParaRPr lang="en-US" altLang="zh-CN" sz="1200" kern="1200" dirty="0" smtClean="0">
+              <a:solidFill>
+                <a:schemeClr val="tx1"/>
+              </a:solidFill>
+              <a:latin typeface="+mn-lt"/>
+              <a:ea typeface="+mn-ea"/>
+              <a:cs typeface="+mn-cs"/>
+            </a:endParaRPr>
+          </a:p>
+          <a:p>
+            <a:r>
+              <a:rPr lang="en-US" altLang="zh-CN" sz="1200" kern="1200" dirty="0" err="1" smtClean="0">
+                <a:solidFill>
+                  <a:schemeClr val="tx1"/>
+                </a:solidFill>
+                <a:latin typeface="+mn-lt"/>
+                <a:ea typeface="+mn-ea"/>
+                <a:cs typeface="+mn-cs"/>
+              </a:rPr>
+              <a:t>SharedSizeGroup</a:t>
+            </a:r>
+            <a:r>
+              <a:rPr lang="en-US" altLang="zh-CN" sz="1200" kern="1200" dirty="0" smtClean="0">
+                <a:solidFill>
+                  <a:schemeClr val="tx1"/>
+                </a:solidFill>
+                <a:latin typeface="+mn-lt"/>
+                <a:ea typeface="+mn-ea"/>
+                <a:cs typeface="+mn-cs"/>
+              </a:rPr>
+              <a:t>=“</a:t>
+            </a:r>
+            <a:r>
+              <a:rPr lang="zh-CN" altLang="en-US" sz="1200" kern="1200" dirty="0" smtClean="0">
+                <a:solidFill>
+                  <a:schemeClr val="tx1"/>
+                </a:solidFill>
+                <a:latin typeface="+mn-lt"/>
+                <a:ea typeface="+mn-ea"/>
+                <a:cs typeface="+mn-cs"/>
+              </a:rPr>
+              <a:t>组名</a:t>
+            </a:r>
+            <a:r>
+              <a:rPr lang="en-US" altLang="zh-CN" sz="1200" kern="1200" smtClean="0">
+                <a:solidFill>
+                  <a:schemeClr val="tx1"/>
+                </a:solidFill>
+                <a:latin typeface="+mn-lt"/>
+                <a:ea typeface="+mn-ea"/>
+                <a:cs typeface="+mn-cs"/>
+              </a:rPr>
+              <a:t>”</a:t>
+            </a:r>
+          </a:p>
+          <a:p>
+            <a:endParaRPr lang="zh-CN" altLang="en-US" dirty="0"/>
           </a:p>
         </p:txBody>
       </p:sp>
@@ -1856,7 +2000,7 @@
             <a:fld id="{530820CF-B880-4189-942D-D702A7CBA730}" type="datetimeFigureOut">
               <a:rPr lang="zh-CN" altLang="en-US" smtClean="0"/>
               <a:pPr/>
-              <a:t>2018-4-11 Wednesday</a:t>
+              <a:t>2018-4-23 Monday</a:t>
             </a:fld>
             <a:endParaRPr lang="zh-CN" altLang="en-US"/>
           </a:p>
@@ -2023,7 +2167,7 @@
             <a:fld id="{530820CF-B880-4189-942D-D702A7CBA730}" type="datetimeFigureOut">
               <a:rPr lang="zh-CN" altLang="en-US" smtClean="0"/>
               <a:pPr/>
-              <a:t>2018-4-11 Wednesday</a:t>
+              <a:t>2018-4-23 Monday</a:t>
             </a:fld>
             <a:endParaRPr lang="zh-CN" altLang="en-US"/>
           </a:p>
@@ -2200,7 +2344,7 @@
             <a:fld id="{530820CF-B880-4189-942D-D702A7CBA730}" type="datetimeFigureOut">
               <a:rPr lang="zh-CN" altLang="en-US" smtClean="0"/>
               <a:pPr/>
-              <a:t>2018-4-11 Wednesday</a:t>
+              <a:t>2018-4-23 Monday</a:t>
             </a:fld>
             <a:endParaRPr lang="zh-CN" altLang="en-US"/>
           </a:p>
@@ -2367,7 +2511,7 @@
             <a:fld id="{530820CF-B880-4189-942D-D702A7CBA730}" type="datetimeFigureOut">
               <a:rPr lang="zh-CN" altLang="en-US" smtClean="0"/>
               <a:pPr/>
-              <a:t>2018-4-11 Wednesday</a:t>
+              <a:t>2018-4-23 Monday</a:t>
             </a:fld>
             <a:endParaRPr lang="zh-CN" altLang="en-US"/>
           </a:p>
@@ -2610,7 +2754,7 @@
             <a:fld id="{530820CF-B880-4189-942D-D702A7CBA730}" type="datetimeFigureOut">
               <a:rPr lang="zh-CN" altLang="en-US" smtClean="0"/>
               <a:pPr/>
-              <a:t>2018-4-11 Wednesday</a:t>
+              <a:t>2018-4-23 Monday</a:t>
             </a:fld>
             <a:endParaRPr lang="zh-CN" altLang="en-US"/>
           </a:p>
@@ -2895,7 +3039,7 @@
             <a:fld id="{530820CF-B880-4189-942D-D702A7CBA730}" type="datetimeFigureOut">
               <a:rPr lang="zh-CN" altLang="en-US" smtClean="0"/>
               <a:pPr/>
-              <a:t>2018-4-11 Wednesday</a:t>
+              <a:t>2018-4-23 Monday</a:t>
             </a:fld>
             <a:endParaRPr lang="zh-CN" altLang="en-US"/>
           </a:p>
@@ -3314,7 +3458,7 @@
             <a:fld id="{530820CF-B880-4189-942D-D702A7CBA730}" type="datetimeFigureOut">
               <a:rPr lang="zh-CN" altLang="en-US" smtClean="0"/>
               <a:pPr/>
-              <a:t>2018-4-11 Wednesday</a:t>
+              <a:t>2018-4-23 Monday</a:t>
             </a:fld>
             <a:endParaRPr lang="zh-CN" altLang="en-US"/>
           </a:p>
@@ -3429,7 +3573,7 @@
             <a:fld id="{530820CF-B880-4189-942D-D702A7CBA730}" type="datetimeFigureOut">
               <a:rPr lang="zh-CN" altLang="en-US" smtClean="0"/>
               <a:pPr/>
-              <a:t>2018-4-11 Wednesday</a:t>
+              <a:t>2018-4-23 Monday</a:t>
             </a:fld>
             <a:endParaRPr lang="zh-CN" altLang="en-US"/>
           </a:p>
@@ -3521,7 +3665,7 @@
             <a:fld id="{530820CF-B880-4189-942D-D702A7CBA730}" type="datetimeFigureOut">
               <a:rPr lang="zh-CN" altLang="en-US" smtClean="0"/>
               <a:pPr/>
-              <a:t>2018-4-11 Wednesday</a:t>
+              <a:t>2018-4-23 Monday</a:t>
             </a:fld>
             <a:endParaRPr lang="zh-CN" altLang="en-US"/>
           </a:p>
@@ -3795,7 +3939,7 @@
             <a:fld id="{530820CF-B880-4189-942D-D702A7CBA730}" type="datetimeFigureOut">
               <a:rPr lang="zh-CN" altLang="en-US" smtClean="0"/>
               <a:pPr/>
-              <a:t>2018-4-11 Wednesday</a:t>
+              <a:t>2018-4-23 Monday</a:t>
             </a:fld>
             <a:endParaRPr lang="zh-CN" altLang="en-US"/>
           </a:p>
@@ -4045,7 +4189,7 @@
             <a:fld id="{530820CF-B880-4189-942D-D702A7CBA730}" type="datetimeFigureOut">
               <a:rPr lang="zh-CN" altLang="en-US" smtClean="0"/>
               <a:pPr/>
-              <a:t>2018-4-11 Wednesday</a:t>
+              <a:t>2018-4-23 Monday</a:t>
             </a:fld>
             <a:endParaRPr lang="zh-CN" altLang="en-US"/>
           </a:p>
@@ -4255,7 +4399,7 @@
             <a:fld id="{530820CF-B880-4189-942D-D702A7CBA730}" type="datetimeFigureOut">
               <a:rPr lang="zh-CN" altLang="en-US" smtClean="0"/>
               <a:pPr/>
-              <a:t>2018-4-11 Wednesday</a:t>
+              <a:t>2018-4-23 Monday</a:t>
             </a:fld>
             <a:endParaRPr lang="zh-CN" altLang="en-US"/>
           </a:p>
@@ -4985,11 +5129,7 @@
           <a:p>
             <a:r>
               <a:rPr lang="zh-CN" altLang="en-US" dirty="0" smtClean="0"/>
-              <a:t>子</a:t>
-            </a:r>
-            <a:r>
-              <a:rPr lang="zh-CN" altLang="en-US" dirty="0" smtClean="0"/>
-              <a:t>元素通过设置</a:t>
+              <a:t>子元素通过设置</a:t>
             </a:r>
             <a:r>
               <a:rPr lang="en-US" altLang="zh-CN" dirty="0" err="1" smtClean="0"/>
@@ -5257,11 +5397,7 @@
           <a:p>
             <a:r>
               <a:rPr lang="zh-CN" altLang="en-US" dirty="0" smtClean="0"/>
-              <a:t>第一</a:t>
-            </a:r>
-            <a:r>
-              <a:rPr lang="zh-CN" altLang="en-US" dirty="0" smtClean="0"/>
-              <a:t>个</a:t>
+              <a:t>第一个</a:t>
             </a:r>
             <a:r>
               <a:rPr lang="en-US" altLang="zh-CN" dirty="0" smtClean="0"/>

--- a/WPF.pptx
+++ b/WPF.pptx
@@ -5,7 +5,7 @@
     <p:sldMasterId id="2147483648" r:id="rId1"/>
   </p:sldMasterIdLst>
   <p:notesMasterIdLst>
-    <p:notesMasterId r:id="rId17"/>
+    <p:notesMasterId r:id="rId19"/>
   </p:notesMasterIdLst>
   <p:sldIdLst>
     <p:sldId id="256" r:id="rId2"/>
@@ -22,7 +22,9 @@
     <p:sldId id="269" r:id="rId13"/>
     <p:sldId id="270" r:id="rId14"/>
     <p:sldId id="271" r:id="rId15"/>
-    <p:sldId id="268" r:id="rId16"/>
+    <p:sldId id="273" r:id="rId16"/>
+    <p:sldId id="272" r:id="rId17"/>
+    <p:sldId id="268" r:id="rId18"/>
   </p:sldIdLst>
   <p:sldSz cx="9144000" cy="6858000" type="screen4x3"/>
   <p:notesSz cx="6858000" cy="9144000"/>
@@ -207,7 +209,7 @@
             <a:fld id="{552617EB-605C-42A4-B4AB-5F72E344323C}" type="datetimeFigureOut">
               <a:rPr lang="zh-CN" altLang="en-US" smtClean="0"/>
               <a:pPr/>
-              <a:t>2018-4-23 Monday</a:t>
+              <a:t>2018-5-9 Wednesday</a:t>
             </a:fld>
             <a:endParaRPr lang="zh-CN" altLang="en-US"/>
           </a:p>
@@ -1636,18 +1638,7 @@
                 <a:ea typeface="+mn-ea"/>
                 <a:cs typeface="+mn-cs"/>
               </a:rPr>
-              <a:t>面</a:t>
-            </a:r>
-            <a:r>
-              <a:rPr lang="zh-CN" altLang="en-US" sz="1200" kern="1200" dirty="0" smtClean="0">
-                <a:solidFill>
-                  <a:schemeClr val="tx1"/>
-                </a:solidFill>
-                <a:latin typeface="+mn-lt"/>
-                <a:ea typeface="+mn-ea"/>
-                <a:cs typeface="+mn-cs"/>
-              </a:rPr>
-              <a:t>板</a:t>
+              <a:t>面板</a:t>
             </a:r>
             <a:endParaRPr lang="en-US" altLang="zh-CN" sz="1200" kern="1200" dirty="0" smtClean="0">
               <a:solidFill>
@@ -2000,7 +1991,7 @@
             <a:fld id="{530820CF-B880-4189-942D-D702A7CBA730}" type="datetimeFigureOut">
               <a:rPr lang="zh-CN" altLang="en-US" smtClean="0"/>
               <a:pPr/>
-              <a:t>2018-4-23 Monday</a:t>
+              <a:t>2018-5-9 Wednesday</a:t>
             </a:fld>
             <a:endParaRPr lang="zh-CN" altLang="en-US"/>
           </a:p>
@@ -2167,7 +2158,7 @@
             <a:fld id="{530820CF-B880-4189-942D-D702A7CBA730}" type="datetimeFigureOut">
               <a:rPr lang="zh-CN" altLang="en-US" smtClean="0"/>
               <a:pPr/>
-              <a:t>2018-4-23 Monday</a:t>
+              <a:t>2018-5-9 Wednesday</a:t>
             </a:fld>
             <a:endParaRPr lang="zh-CN" altLang="en-US"/>
           </a:p>
@@ -2344,7 +2335,7 @@
             <a:fld id="{530820CF-B880-4189-942D-D702A7CBA730}" type="datetimeFigureOut">
               <a:rPr lang="zh-CN" altLang="en-US" smtClean="0"/>
               <a:pPr/>
-              <a:t>2018-4-23 Monday</a:t>
+              <a:t>2018-5-9 Wednesday</a:t>
             </a:fld>
             <a:endParaRPr lang="zh-CN" altLang="en-US"/>
           </a:p>
@@ -2511,7 +2502,7 @@
             <a:fld id="{530820CF-B880-4189-942D-D702A7CBA730}" type="datetimeFigureOut">
               <a:rPr lang="zh-CN" altLang="en-US" smtClean="0"/>
               <a:pPr/>
-              <a:t>2018-4-23 Monday</a:t>
+              <a:t>2018-5-9 Wednesday</a:t>
             </a:fld>
             <a:endParaRPr lang="zh-CN" altLang="en-US"/>
           </a:p>
@@ -2754,7 +2745,7 @@
             <a:fld id="{530820CF-B880-4189-942D-D702A7CBA730}" type="datetimeFigureOut">
               <a:rPr lang="zh-CN" altLang="en-US" smtClean="0"/>
               <a:pPr/>
-              <a:t>2018-4-23 Monday</a:t>
+              <a:t>2018-5-9 Wednesday</a:t>
             </a:fld>
             <a:endParaRPr lang="zh-CN" altLang="en-US"/>
           </a:p>
@@ -3039,7 +3030,7 @@
             <a:fld id="{530820CF-B880-4189-942D-D702A7CBA730}" type="datetimeFigureOut">
               <a:rPr lang="zh-CN" altLang="en-US" smtClean="0"/>
               <a:pPr/>
-              <a:t>2018-4-23 Monday</a:t>
+              <a:t>2018-5-9 Wednesday</a:t>
             </a:fld>
             <a:endParaRPr lang="zh-CN" altLang="en-US"/>
           </a:p>
@@ -3458,7 +3449,7 @@
             <a:fld id="{530820CF-B880-4189-942D-D702A7CBA730}" type="datetimeFigureOut">
               <a:rPr lang="zh-CN" altLang="en-US" smtClean="0"/>
               <a:pPr/>
-              <a:t>2018-4-23 Monday</a:t>
+              <a:t>2018-5-9 Wednesday</a:t>
             </a:fld>
             <a:endParaRPr lang="zh-CN" altLang="en-US"/>
           </a:p>
@@ -3573,7 +3564,7 @@
             <a:fld id="{530820CF-B880-4189-942D-D702A7CBA730}" type="datetimeFigureOut">
               <a:rPr lang="zh-CN" altLang="en-US" smtClean="0"/>
               <a:pPr/>
-              <a:t>2018-4-23 Monday</a:t>
+              <a:t>2018-5-9 Wednesday</a:t>
             </a:fld>
             <a:endParaRPr lang="zh-CN" altLang="en-US"/>
           </a:p>
@@ -3665,7 +3656,7 @@
             <a:fld id="{530820CF-B880-4189-942D-D702A7CBA730}" type="datetimeFigureOut">
               <a:rPr lang="zh-CN" altLang="en-US" smtClean="0"/>
               <a:pPr/>
-              <a:t>2018-4-23 Monday</a:t>
+              <a:t>2018-5-9 Wednesday</a:t>
             </a:fld>
             <a:endParaRPr lang="zh-CN" altLang="en-US"/>
           </a:p>
@@ -3939,7 +3930,7 @@
             <a:fld id="{530820CF-B880-4189-942D-D702A7CBA730}" type="datetimeFigureOut">
               <a:rPr lang="zh-CN" altLang="en-US" smtClean="0"/>
               <a:pPr/>
-              <a:t>2018-4-23 Monday</a:t>
+              <a:t>2018-5-9 Wednesday</a:t>
             </a:fld>
             <a:endParaRPr lang="zh-CN" altLang="en-US"/>
           </a:p>
@@ -4189,7 +4180,7 @@
             <a:fld id="{530820CF-B880-4189-942D-D702A7CBA730}" type="datetimeFigureOut">
               <a:rPr lang="zh-CN" altLang="en-US" smtClean="0"/>
               <a:pPr/>
-              <a:t>2018-4-23 Monday</a:t>
+              <a:t>2018-5-9 Wednesday</a:t>
             </a:fld>
             <a:endParaRPr lang="zh-CN" altLang="en-US"/>
           </a:p>
@@ -4399,7 +4390,7 @@
             <a:fld id="{530820CF-B880-4189-942D-D702A7CBA730}" type="datetimeFigureOut">
               <a:rPr lang="zh-CN" altLang="en-US" smtClean="0"/>
               <a:pPr/>
-              <a:t>2018-4-23 Monday</a:t>
+              <a:t>2018-5-9 Wednesday</a:t>
             </a:fld>
             <a:endParaRPr lang="zh-CN" altLang="en-US"/>
           </a:p>
@@ -5254,6 +5245,229 @@
 </file>
 
 <file path=ppt/slides/slide15.xml><?xml version="1.0" encoding="utf-8"?>
+<p:sld xmlns:a="http://schemas.openxmlformats.org/drawingml/2006/main" xmlns:r="http://schemas.openxmlformats.org/officeDocument/2006/relationships" xmlns:p="http://schemas.openxmlformats.org/presentationml/2006/main">
+  <p:cSld>
+    <p:spTree>
+      <p:nvGrpSpPr>
+        <p:cNvPr id="1" name=""/>
+        <p:cNvGrpSpPr/>
+        <p:nvPr/>
+      </p:nvGrpSpPr>
+      <p:grpSpPr>
+        <a:xfrm>
+          <a:off x="0" y="0"/>
+          <a:ext cx="0" cy="0"/>
+          <a:chOff x="0" y="0"/>
+          <a:chExt cx="0" cy="0"/>
+        </a:xfrm>
+      </p:grpSpPr>
+      <p:sp>
+        <p:nvSpPr>
+          <p:cNvPr id="2" name="标题 1"/>
+          <p:cNvSpPr>
+            <a:spLocks noGrp="1"/>
+          </p:cNvSpPr>
+          <p:nvPr>
+            <p:ph type="title"/>
+          </p:nvPr>
+        </p:nvSpPr>
+        <p:spPr/>
+        <p:txBody>
+          <a:bodyPr/>
+          <a:lstStyle/>
+          <a:p>
+            <a:r>
+              <a:rPr lang="zh-CN" altLang="en-US" smtClean="0"/>
+              <a:t>高级控件</a:t>
+            </a:r>
+            <a:endParaRPr lang="zh-CN" altLang="en-US"/>
+          </a:p>
+        </p:txBody>
+      </p:sp>
+      <p:sp>
+        <p:nvSpPr>
+          <p:cNvPr id="3" name="内容占位符 2"/>
+          <p:cNvSpPr>
+            <a:spLocks noGrp="1"/>
+          </p:cNvSpPr>
+          <p:nvPr>
+            <p:ph idx="1"/>
+          </p:nvPr>
+        </p:nvSpPr>
+        <p:spPr/>
+        <p:txBody>
+          <a:bodyPr/>
+          <a:lstStyle/>
+          <a:p>
+            <a:endParaRPr lang="zh-CN" altLang="en-US"/>
+          </a:p>
+        </p:txBody>
+      </p:sp>
+    </p:spTree>
+  </p:cSld>
+  <p:clrMapOvr>
+    <a:masterClrMapping/>
+  </p:clrMapOvr>
+</p:sld>
+</file>
+
+<file path=ppt/slides/slide16.xml><?xml version="1.0" encoding="utf-8"?>
+<p:sld xmlns:a="http://schemas.openxmlformats.org/drawingml/2006/main" xmlns:r="http://schemas.openxmlformats.org/officeDocument/2006/relationships" xmlns:p="http://schemas.openxmlformats.org/presentationml/2006/main">
+  <p:cSld>
+    <p:spTree>
+      <p:nvGrpSpPr>
+        <p:cNvPr id="1" name=""/>
+        <p:cNvGrpSpPr/>
+        <p:nvPr/>
+      </p:nvGrpSpPr>
+      <p:grpSpPr>
+        <a:xfrm>
+          <a:off x="0" y="0"/>
+          <a:ext cx="0" cy="0"/>
+          <a:chOff x="0" y="0"/>
+          <a:chExt cx="0" cy="0"/>
+        </a:xfrm>
+      </p:grpSpPr>
+      <p:sp>
+        <p:nvSpPr>
+          <p:cNvPr id="2" name="标题 1"/>
+          <p:cNvSpPr>
+            <a:spLocks noGrp="1"/>
+          </p:cNvSpPr>
+          <p:nvPr>
+            <p:ph type="title"/>
+          </p:nvPr>
+        </p:nvSpPr>
+        <p:spPr/>
+        <p:txBody>
+          <a:bodyPr/>
+          <a:lstStyle/>
+          <a:p>
+            <a:r>
+              <a:rPr lang="zh-CN" altLang="en-US" dirty="0" smtClean="0"/>
+              <a:t>注册依赖项属性</a:t>
+            </a:r>
+            <a:endParaRPr lang="zh-CN" altLang="en-US" dirty="0"/>
+          </a:p>
+        </p:txBody>
+      </p:sp>
+      <p:sp>
+        <p:nvSpPr>
+          <p:cNvPr id="3" name="内容占位符 2"/>
+          <p:cNvSpPr>
+            <a:spLocks noGrp="1"/>
+          </p:cNvSpPr>
+          <p:nvPr>
+            <p:ph idx="1"/>
+          </p:nvPr>
+        </p:nvSpPr>
+        <p:spPr/>
+        <p:txBody>
+          <a:bodyPr>
+            <a:normAutofit fontScale="85000" lnSpcReduction="10000"/>
+          </a:bodyPr>
+          <a:lstStyle/>
+          <a:p>
+            <a:r>
+              <a:rPr lang="zh-CN" altLang="en-US" dirty="0" smtClean="0"/>
+              <a:t>首先创建</a:t>
+            </a:r>
+            <a:r>
+              <a:rPr lang="en-US" altLang="zh-CN" dirty="0" err="1" smtClean="0"/>
+              <a:t>FrameworkPropertyMetadata</a:t>
+            </a:r>
+            <a:r>
+              <a:rPr lang="zh-CN" altLang="en-US" dirty="0" smtClean="0"/>
+              <a:t>对象，接下来通过</a:t>
+            </a:r>
+            <a:r>
+              <a:rPr lang="en-US" altLang="zh-CN" dirty="0" err="1" smtClean="0"/>
+              <a:t>DependencyProperty.Register</a:t>
+            </a:r>
+            <a:r>
+              <a:rPr lang="en-US" altLang="zh-CN" dirty="0" smtClean="0"/>
+              <a:t>()</a:t>
+            </a:r>
+            <a:r>
+              <a:rPr lang="zh-CN" altLang="en-US" dirty="0" smtClean="0"/>
+              <a:t>静态方法注册属性，在这一步中需要提供以下几个要素：</a:t>
+            </a:r>
+            <a:endParaRPr lang="en-US" altLang="zh-CN" dirty="0" smtClean="0"/>
+          </a:p>
+          <a:p>
+            <a:r>
+              <a:rPr lang="en-US" altLang="zh-CN" dirty="0" smtClean="0"/>
+              <a:t>(1) </a:t>
+            </a:r>
+            <a:r>
+              <a:rPr lang="zh-CN" altLang="en-US" dirty="0" smtClean="0"/>
+              <a:t>属性名</a:t>
+            </a:r>
+            <a:endParaRPr lang="en-US" altLang="zh-CN" dirty="0" smtClean="0"/>
+          </a:p>
+          <a:p>
+            <a:r>
+              <a:rPr lang="en-US" altLang="zh-CN" dirty="0" smtClean="0"/>
+              <a:t>(2) </a:t>
+            </a:r>
+            <a:r>
+              <a:rPr lang="zh-CN" altLang="en-US" dirty="0" smtClean="0"/>
+              <a:t>属性使用的类型</a:t>
+            </a:r>
+            <a:endParaRPr lang="en-US" altLang="zh-CN" dirty="0" smtClean="0"/>
+          </a:p>
+          <a:p>
+            <a:r>
+              <a:rPr lang="en-US" altLang="zh-CN" dirty="0" smtClean="0"/>
+              <a:t>(3) </a:t>
+            </a:r>
+            <a:r>
+              <a:rPr lang="zh-CN" altLang="en-US" dirty="0" smtClean="0"/>
+              <a:t>拥有该属性的类型</a:t>
+            </a:r>
+            <a:endParaRPr lang="en-US" altLang="zh-CN" dirty="0" smtClean="0"/>
+          </a:p>
+          <a:p>
+            <a:r>
+              <a:rPr lang="en-US" altLang="zh-CN" dirty="0" smtClean="0"/>
+              <a:t>(4) </a:t>
+            </a:r>
+            <a:r>
+              <a:rPr lang="zh-CN" altLang="en-US" dirty="0" smtClean="0"/>
+              <a:t>一个具有附加属性设置的</a:t>
+            </a:r>
+            <a:r>
+              <a:rPr lang="en-US" altLang="zh-CN" dirty="0" err="1" smtClean="0"/>
+              <a:t>FrameworkPropertyMetadata</a:t>
+            </a:r>
+            <a:r>
+              <a:rPr lang="zh-CN" altLang="en-US" dirty="0" smtClean="0"/>
+              <a:t>对象，该要素是可选的</a:t>
+            </a:r>
+            <a:endParaRPr lang="en-US" altLang="zh-CN" dirty="0" smtClean="0"/>
+          </a:p>
+          <a:p>
+            <a:r>
+              <a:rPr lang="en-US" altLang="zh-CN" dirty="0" smtClean="0"/>
+              <a:t>(5) </a:t>
+            </a:r>
+            <a:r>
+              <a:rPr lang="zh-CN" altLang="en-US" smtClean="0"/>
+              <a:t>一个用于验证属性的回调函数，该要素是可选的。</a:t>
+            </a:r>
+            <a:endParaRPr lang="en-US" altLang="zh-CN" dirty="0" smtClean="0"/>
+          </a:p>
+        </p:txBody>
+      </p:sp>
+    </p:spTree>
+  </p:cSld>
+  <p:clrMapOvr>
+    <a:masterClrMapping/>
+  </p:clrMapOvr>
+</p:sld>
+</file>
+
+<file path=ppt/slides/slide17.xml><?xml version="1.0" encoding="utf-8"?>
 <p:sld xmlns:a="http://schemas.openxmlformats.org/drawingml/2006/main" xmlns:r="http://schemas.openxmlformats.org/officeDocument/2006/relationships" xmlns:p="http://schemas.openxmlformats.org/presentationml/2006/main">
   <p:cSld>
     <p:spTree>
